--- a/Dom3_WE1.pptx
+++ b/Dom3_WE1.pptx
@@ -288,7 +288,7 @@
           <a:p>
             <a:fld id="{530820CF-B880-4189-942D-D702A7CBA730}" type="datetimeFigureOut">
               <a:rPr lang="zh-CN" altLang="en-US" smtClean="0"/>
-              <a:t>2017/11/24</a:t>
+              <a:t>2017/11/25</a:t>
             </a:fld>
             <a:endParaRPr lang="zh-CN" altLang="en-US"/>
           </a:p>
@@ -453,7 +453,7 @@
           <a:p>
             <a:fld id="{530820CF-B880-4189-942D-D702A7CBA730}" type="datetimeFigureOut">
               <a:rPr lang="zh-CN" altLang="en-US" smtClean="0"/>
-              <a:t>2017/11/24</a:t>
+              <a:t>2017/11/25</a:t>
             </a:fld>
             <a:endParaRPr lang="zh-CN" altLang="en-US"/>
           </a:p>
@@ -628,7 +628,7 @@
           <a:p>
             <a:fld id="{530820CF-B880-4189-942D-D702A7CBA730}" type="datetimeFigureOut">
               <a:rPr lang="zh-CN" altLang="en-US" smtClean="0"/>
-              <a:t>2017/11/24</a:t>
+              <a:t>2017/11/25</a:t>
             </a:fld>
             <a:endParaRPr lang="zh-CN" altLang="en-US"/>
           </a:p>
@@ -793,7 +793,7 @@
           <a:p>
             <a:fld id="{530820CF-B880-4189-942D-D702A7CBA730}" type="datetimeFigureOut">
               <a:rPr lang="zh-CN" altLang="en-US" smtClean="0"/>
-              <a:t>2017/11/24</a:t>
+              <a:t>2017/11/25</a:t>
             </a:fld>
             <a:endParaRPr lang="zh-CN" altLang="en-US"/>
           </a:p>
@@ -1034,7 +1034,7 @@
           <a:p>
             <a:fld id="{530820CF-B880-4189-942D-D702A7CBA730}" type="datetimeFigureOut">
               <a:rPr lang="zh-CN" altLang="en-US" smtClean="0"/>
-              <a:t>2017/11/24</a:t>
+              <a:t>2017/11/25</a:t>
             </a:fld>
             <a:endParaRPr lang="zh-CN" altLang="en-US"/>
           </a:p>
@@ -1317,7 +1317,7 @@
           <a:p>
             <a:fld id="{530820CF-B880-4189-942D-D702A7CBA730}" type="datetimeFigureOut">
               <a:rPr lang="zh-CN" altLang="en-US" smtClean="0"/>
-              <a:t>2017/11/24</a:t>
+              <a:t>2017/11/25</a:t>
             </a:fld>
             <a:endParaRPr lang="zh-CN" altLang="en-US"/>
           </a:p>
@@ -1734,7 +1734,7 @@
           <a:p>
             <a:fld id="{530820CF-B880-4189-942D-D702A7CBA730}" type="datetimeFigureOut">
               <a:rPr lang="zh-CN" altLang="en-US" smtClean="0"/>
-              <a:t>2017/11/24</a:t>
+              <a:t>2017/11/25</a:t>
             </a:fld>
             <a:endParaRPr lang="zh-CN" altLang="en-US"/>
           </a:p>
@@ -1847,7 +1847,7 @@
           <a:p>
             <a:fld id="{530820CF-B880-4189-942D-D702A7CBA730}" type="datetimeFigureOut">
               <a:rPr lang="zh-CN" altLang="en-US" smtClean="0"/>
-              <a:t>2017/11/24</a:t>
+              <a:t>2017/11/25</a:t>
             </a:fld>
             <a:endParaRPr lang="zh-CN" altLang="en-US"/>
           </a:p>
@@ -1937,7 +1937,7 @@
           <a:p>
             <a:fld id="{530820CF-B880-4189-942D-D702A7CBA730}" type="datetimeFigureOut">
               <a:rPr lang="zh-CN" altLang="en-US" smtClean="0"/>
-              <a:t>2017/11/24</a:t>
+              <a:t>2017/11/25</a:t>
             </a:fld>
             <a:endParaRPr lang="zh-CN" altLang="en-US"/>
           </a:p>
@@ -2209,7 +2209,7 @@
           <a:p>
             <a:fld id="{530820CF-B880-4189-942D-D702A7CBA730}" type="datetimeFigureOut">
               <a:rPr lang="zh-CN" altLang="en-US" smtClean="0"/>
-              <a:t>2017/11/24</a:t>
+              <a:t>2017/11/25</a:t>
             </a:fld>
             <a:endParaRPr lang="zh-CN" altLang="en-US"/>
           </a:p>
@@ -2457,7 +2457,7 @@
           <a:p>
             <a:fld id="{530820CF-B880-4189-942D-D702A7CBA730}" type="datetimeFigureOut">
               <a:rPr lang="zh-CN" altLang="en-US" smtClean="0"/>
-              <a:t>2017/11/24</a:t>
+              <a:t>2017/11/25</a:t>
             </a:fld>
             <a:endParaRPr lang="zh-CN" altLang="en-US"/>
           </a:p>
@@ -2665,7 +2665,7 @@
           <a:p>
             <a:fld id="{530820CF-B880-4189-942D-D702A7CBA730}" type="datetimeFigureOut">
               <a:rPr lang="zh-CN" altLang="en-US" smtClean="0"/>
-              <a:t>2017/11/24</a:t>
+              <a:t>2017/11/25</a:t>
             </a:fld>
             <a:endParaRPr lang="zh-CN" altLang="en-US"/>
           </a:p>
@@ -3051,16 +3051,14 @@
           </a:prstGeom>
         </p:spPr>
         <p:style>
-          <a:lnRef idx="2">
-            <a:schemeClr val="accent1">
-              <a:shade val="50000"/>
-            </a:schemeClr>
+          <a:lnRef idx="1">
+            <a:schemeClr val="accent3"/>
           </a:lnRef>
-          <a:fillRef idx="1">
-            <a:schemeClr val="accent1"/>
+          <a:fillRef idx="3">
+            <a:schemeClr val="accent3"/>
           </a:fillRef>
-          <a:effectRef idx="0">
-            <a:schemeClr val="accent1"/>
+          <a:effectRef idx="2">
+            <a:schemeClr val="accent3"/>
           </a:effectRef>
           <a:fontRef idx="minor">
             <a:schemeClr val="lt1"/>
@@ -3130,16 +3128,14 @@
           </a:prstGeom>
         </p:spPr>
         <p:style>
-          <a:lnRef idx="2">
-            <a:schemeClr val="accent1">
-              <a:shade val="50000"/>
-            </a:schemeClr>
+          <a:lnRef idx="0">
+            <a:schemeClr val="accent4"/>
           </a:lnRef>
-          <a:fillRef idx="1">
-            <a:schemeClr val="accent1"/>
+          <a:fillRef idx="3">
+            <a:schemeClr val="accent4"/>
           </a:fillRef>
-          <a:effectRef idx="0">
-            <a:schemeClr val="accent1"/>
+          <a:effectRef idx="3">
+            <a:schemeClr val="accent4"/>
           </a:effectRef>
           <a:fontRef idx="minor">
             <a:schemeClr val="lt1"/>
@@ -3177,13 +3173,13 @@
           </a:ln>
         </p:spPr>
         <p:style>
-          <a:lnRef idx="1">
+          <a:lnRef idx="3">
             <a:schemeClr val="accent1"/>
           </a:lnRef>
           <a:fillRef idx="0">
             <a:schemeClr val="accent1"/>
           </a:fillRef>
-          <a:effectRef idx="0">
+          <a:effectRef idx="2">
             <a:schemeClr val="accent1"/>
           </a:effectRef>
           <a:fontRef idx="minor">
@@ -3212,13 +3208,13 @@
           </a:ln>
         </p:spPr>
         <p:style>
-          <a:lnRef idx="1">
+          <a:lnRef idx="3">
             <a:schemeClr val="accent1"/>
           </a:lnRef>
           <a:fillRef idx="0">
             <a:schemeClr val="accent1"/>
           </a:fillRef>
-          <a:effectRef idx="0">
+          <a:effectRef idx="2">
             <a:schemeClr val="accent1"/>
           </a:effectRef>
           <a:fontRef idx="minor">
@@ -3247,13 +3243,13 @@
           </a:ln>
         </p:spPr>
         <p:style>
-          <a:lnRef idx="1">
+          <a:lnRef idx="3">
             <a:schemeClr val="accent1"/>
           </a:lnRef>
           <a:fillRef idx="0">
             <a:schemeClr val="accent1"/>
           </a:fillRef>
-          <a:effectRef idx="0">
+          <a:effectRef idx="2">
             <a:schemeClr val="accent1"/>
           </a:effectRef>
           <a:fontRef idx="minor">
@@ -3269,24 +3265,22 @@
         </p:nvSpPr>
         <p:spPr>
           <a:xfrm>
-            <a:off x="467544" y="3717032"/>
-            <a:ext cx="720080" cy="648072"/>
+            <a:off x="323528" y="3717032"/>
+            <a:ext cx="1080120" cy="1026114"/>
           </a:xfrm>
           <a:prstGeom prst="ellipse">
             <a:avLst/>
           </a:prstGeom>
         </p:spPr>
         <p:style>
-          <a:lnRef idx="2">
-            <a:schemeClr val="accent1">
-              <a:shade val="50000"/>
-            </a:schemeClr>
+          <a:lnRef idx="0">
+            <a:schemeClr val="accent5"/>
           </a:lnRef>
-          <a:fillRef idx="1">
-            <a:schemeClr val="accent1"/>
+          <a:fillRef idx="3">
+            <a:schemeClr val="accent5"/>
           </a:fillRef>
-          <a:effectRef idx="0">
-            <a:schemeClr val="accent1"/>
+          <a:effectRef idx="3">
+            <a:schemeClr val="accent5"/>
           </a:effectRef>
           <a:fontRef idx="minor">
             <a:schemeClr val="lt1"/>
@@ -3313,24 +3307,22 @@
         </p:nvSpPr>
         <p:spPr>
           <a:xfrm>
-            <a:off x="2915816" y="3789040"/>
-            <a:ext cx="720080" cy="648072"/>
+            <a:off x="2555776" y="3789040"/>
+            <a:ext cx="1080120" cy="954106"/>
           </a:xfrm>
           <a:prstGeom prst="ellipse">
             <a:avLst/>
           </a:prstGeom>
         </p:spPr>
         <p:style>
-          <a:lnRef idx="2">
-            <a:schemeClr val="accent1">
-              <a:shade val="50000"/>
-            </a:schemeClr>
+          <a:lnRef idx="0">
+            <a:schemeClr val="accent5"/>
           </a:lnRef>
-          <a:fillRef idx="1">
-            <a:schemeClr val="accent1"/>
+          <a:fillRef idx="3">
+            <a:schemeClr val="accent5"/>
           </a:fillRef>
-          <a:effectRef idx="0">
-            <a:schemeClr val="accent1"/>
+          <a:effectRef idx="3">
+            <a:schemeClr val="accent5"/>
           </a:effectRef>
           <a:fontRef idx="minor">
             <a:schemeClr val="lt1"/>
@@ -3357,24 +3349,22 @@
         </p:nvSpPr>
         <p:spPr>
           <a:xfrm>
-            <a:off x="4788024" y="3861048"/>
-            <a:ext cx="720080" cy="648072"/>
+            <a:off x="4788024" y="3789040"/>
+            <a:ext cx="1224136" cy="945105"/>
           </a:xfrm>
           <a:prstGeom prst="ellipse">
             <a:avLst/>
           </a:prstGeom>
         </p:spPr>
         <p:style>
-          <a:lnRef idx="2">
-            <a:schemeClr val="accent1">
-              <a:shade val="50000"/>
-            </a:schemeClr>
+          <a:lnRef idx="0">
+            <a:schemeClr val="accent5"/>
           </a:lnRef>
-          <a:fillRef idx="1">
-            <a:schemeClr val="accent1"/>
+          <a:fillRef idx="3">
+            <a:schemeClr val="accent5"/>
           </a:fillRef>
-          <a:effectRef idx="0">
-            <a:schemeClr val="accent1"/>
+          <a:effectRef idx="3">
+            <a:schemeClr val="accent5"/>
           </a:effectRef>
           <a:fontRef idx="minor">
             <a:schemeClr val="lt1"/>
@@ -3414,14 +3404,14 @@
           </a:ln>
         </p:spPr>
         <p:style>
-          <a:lnRef idx="1">
-            <a:schemeClr val="accent1"/>
+          <a:lnRef idx="3">
+            <a:schemeClr val="accent5"/>
           </a:lnRef>
           <a:fillRef idx="0">
-            <a:schemeClr val="accent1"/>
+            <a:schemeClr val="accent5"/>
           </a:fillRef>
-          <a:effectRef idx="0">
-            <a:schemeClr val="accent1"/>
+          <a:effectRef idx="2">
+            <a:schemeClr val="accent5"/>
           </a:effectRef>
           <a:fontRef idx="minor">
             <a:schemeClr val="tx1"/>
@@ -3506,14 +3496,14 @@
           </a:ln>
         </p:spPr>
         <p:style>
-          <a:lnRef idx="1">
-            <a:schemeClr val="accent1"/>
+          <a:lnRef idx="3">
+            <a:schemeClr val="accent5"/>
           </a:lnRef>
           <a:fillRef idx="0">
-            <a:schemeClr val="accent1"/>
+            <a:schemeClr val="accent5"/>
           </a:fillRef>
-          <a:effectRef idx="0">
-            <a:schemeClr val="accent1"/>
+          <a:effectRef idx="2">
+            <a:schemeClr val="accent5"/>
           </a:effectRef>
           <a:fontRef idx="minor">
             <a:schemeClr val="tx1"/>
@@ -3587,8 +3577,8 @@
         </p:nvSpPr>
         <p:spPr>
           <a:xfrm>
-            <a:off x="467544" y="4869160"/>
-            <a:ext cx="1599349" cy="1015663"/>
+            <a:off x="467544" y="5661248"/>
+            <a:ext cx="1594539" cy="1015663"/>
           </a:xfrm>
           <a:prstGeom prst="rect">
             <a:avLst/>
@@ -3609,7 +3599,7 @@
                   </a:schemeClr>
                 </a:solidFill>
               </a:rPr>
-              <a:t>Ball Controller</a:t>
+              <a:t>Ball Launcher</a:t>
             </a:r>
           </a:p>
           <a:p>
@@ -3645,25 +3635,8 @@
                   </a:schemeClr>
                 </a:solidFill>
               </a:rPr>
-              <a:t>Fire Ball </a:t>
-            </a:r>
-            <a:r>
-              <a:rPr lang="en-US" altLang="zh-CN" sz="1400" b="1" dirty="0" err="1" smtClean="0">
-                <a:solidFill>
-                  <a:schemeClr val="bg1">
-                    <a:lumMod val="50000"/>
-                  </a:schemeClr>
-                </a:solidFill>
-              </a:rPr>
-              <a:t>Frequence</a:t>
-            </a:r>
-            <a:endParaRPr lang="en-US" altLang="zh-CN" sz="1400" b="1" dirty="0" smtClean="0">
-              <a:solidFill>
-                <a:schemeClr val="bg1">
-                  <a:lumMod val="50000"/>
-                </a:schemeClr>
-              </a:solidFill>
-            </a:endParaRPr>
+              <a:t>Fire Ball Frequency</a:t>
+            </a:r>
           </a:p>
         </p:txBody>
       </p:sp>
@@ -3677,8 +3650,8 @@
         </p:nvCxnSpPr>
         <p:spPr>
           <a:xfrm>
-            <a:off x="827584" y="4365104"/>
-            <a:ext cx="144016" cy="504056"/>
+            <a:off x="863588" y="4743146"/>
+            <a:ext cx="54006" cy="918102"/>
           </a:xfrm>
           <a:prstGeom prst="straightConnector1">
             <a:avLst/>
@@ -3688,20 +3661,95 @@
           </a:ln>
         </p:spPr>
         <p:style>
-          <a:lnRef idx="1">
-            <a:schemeClr val="accent1"/>
+          <a:lnRef idx="3">
+            <a:schemeClr val="accent2"/>
           </a:lnRef>
           <a:fillRef idx="0">
-            <a:schemeClr val="accent1"/>
+            <a:schemeClr val="accent2"/>
           </a:fillRef>
-          <a:effectRef idx="0">
-            <a:schemeClr val="accent1"/>
+          <a:effectRef idx="2">
+            <a:schemeClr val="accent2"/>
           </a:effectRef>
           <a:fontRef idx="minor">
             <a:schemeClr val="tx1"/>
           </a:fontRef>
         </p:style>
       </p:cxnSp>
+      <p:cxnSp>
+        <p:nvCxnSpPr>
+          <p:cNvPr id="17" name="直接箭头连接符 16"/>
+          <p:cNvCxnSpPr/>
+          <p:nvPr/>
+        </p:nvCxnSpPr>
+        <p:spPr>
+          <a:xfrm>
+            <a:off x="3095836" y="4743146"/>
+            <a:ext cx="180020" cy="702078"/>
+          </a:xfrm>
+          <a:prstGeom prst="straightConnector1">
+            <a:avLst/>
+          </a:prstGeom>
+          <a:ln>
+            <a:tailEnd type="arrow"/>
+          </a:ln>
+        </p:spPr>
+        <p:style>
+          <a:lnRef idx="3">
+            <a:schemeClr val="accent2"/>
+          </a:lnRef>
+          <a:fillRef idx="0">
+            <a:schemeClr val="accent2"/>
+          </a:fillRef>
+          <a:effectRef idx="2">
+            <a:schemeClr val="accent2"/>
+          </a:effectRef>
+          <a:fontRef idx="minor">
+            <a:schemeClr val="tx1"/>
+          </a:fontRef>
+        </p:style>
+      </p:cxnSp>
+      <p:sp>
+        <p:nvSpPr>
+          <p:cNvPr id="3" name="椭圆 2"/>
+          <p:cNvSpPr/>
+          <p:nvPr/>
+        </p:nvSpPr>
+        <p:spPr>
+          <a:xfrm>
+            <a:off x="2771800" y="5448999"/>
+            <a:ext cx="1080120" cy="932329"/>
+          </a:xfrm>
+          <a:prstGeom prst="ellipse">
+            <a:avLst/>
+          </a:prstGeom>
+        </p:spPr>
+        <p:style>
+          <a:lnRef idx="1">
+            <a:schemeClr val="accent2"/>
+          </a:lnRef>
+          <a:fillRef idx="3">
+            <a:schemeClr val="accent2"/>
+          </a:fillRef>
+          <a:effectRef idx="2">
+            <a:schemeClr val="accent2"/>
+          </a:effectRef>
+          <a:fontRef idx="minor">
+            <a:schemeClr val="lt1"/>
+          </a:fontRef>
+        </p:style>
+        <p:txBody>
+          <a:bodyPr rtlCol="0" anchor="ctr"/>
+          <a:lstStyle/>
+          <a:p>
+            <a:pPr algn="ctr"/>
+            <a:r>
+              <a:rPr lang="en-US" altLang="zh-CN" dirty="0" smtClean="0"/>
+              <a:t>Ball Actor</a:t>
+            </a:r>
+            <a:endParaRPr lang="zh-CN" altLang="en-US" dirty="0"/>
+          </a:p>
+        </p:txBody>
+      </p:sp>
     </p:spTree>
     <p:extLst>
       <p:ext uri="{BB962C8B-B14F-4D97-AF65-F5344CB8AC3E}">
